--- a/doc/XXL-JOB钉钉报警使用文档.pptx
+++ b/doc/XXL-JOB钉钉报警使用文档.pptx
@@ -5,19 +5,25 @@
     <p:sldMasterId id="2147483648" r:id="rId1"/>
   </p:sldMasterIdLst>
   <p:notesMasterIdLst>
-    <p:notesMasterId r:id="rId12"/>
+    <p:notesMasterId r:id="rId18"/>
   </p:notesMasterIdLst>
   <p:sldIdLst>
     <p:sldId id="256" r:id="rId2"/>
     <p:sldId id="259" r:id="rId3"/>
     <p:sldId id="257" r:id="rId4"/>
-    <p:sldId id="258" r:id="rId5"/>
-    <p:sldId id="260" r:id="rId6"/>
-    <p:sldId id="261" r:id="rId7"/>
-    <p:sldId id="262" r:id="rId8"/>
-    <p:sldId id="263" r:id="rId9"/>
-    <p:sldId id="264" r:id="rId10"/>
-    <p:sldId id="265" r:id="rId11"/>
+    <p:sldId id="266" r:id="rId5"/>
+    <p:sldId id="272" r:id="rId6"/>
+    <p:sldId id="267" r:id="rId7"/>
+    <p:sldId id="258" r:id="rId8"/>
+    <p:sldId id="262" r:id="rId9"/>
+    <p:sldId id="268" r:id="rId10"/>
+    <p:sldId id="269" r:id="rId11"/>
+    <p:sldId id="271" r:id="rId12"/>
+    <p:sldId id="261" r:id="rId13"/>
+    <p:sldId id="270" r:id="rId14"/>
+    <p:sldId id="263" r:id="rId15"/>
+    <p:sldId id="264" r:id="rId16"/>
+    <p:sldId id="265" r:id="rId17"/>
   </p:sldIdLst>
   <p:sldSz cx="12192000" cy="6858000"/>
   <p:notesSz cx="6858000" cy="9144000"/>
@@ -116,6 +122,11 @@
       </a:defRPr>
     </a:lvl9pPr>
   </p:defaultTextStyle>
+  <p:extLst>
+    <p:ext uri="{EFAFB233-063F-42B5-8137-9DF3F51BA10A}">
+      <p15:sldGuideLst xmlns:p15="http://schemas.microsoft.com/office/powerpoint/2012/main"/>
+    </p:ext>
+  </p:extLst>
 </p:presentation>
 </file>
 
@@ -201,7 +212,7 @@
           <a:p>
             <a:fld id="{A6E4B352-A600-4BC2-9F3F-608EFF4FA9F3}" type="datetimeFigureOut">
               <a:rPr lang="zh-CN" altLang="en-US" smtClean="0"/>
-              <a:t>2019/11/8</a:t>
+              <a:t>2019/12/13</a:t>
             </a:fld>
             <a:endParaRPr lang="zh-CN" altLang="en-US"/>
           </a:p>
@@ -533,7 +544,7 @@
           <a:p>
             <a:fld id="{FFF7B7F4-6B39-49F1-A333-28E77A796D00}" type="slidenum">
               <a:rPr lang="zh-CN" altLang="en-US" smtClean="0"/>
-              <a:t>4</a:t>
+              <a:t>7</a:t>
             </a:fld>
             <a:endParaRPr lang="zh-CN" altLang="en-US"/>
           </a:p>
@@ -699,7 +710,7 @@
           <a:p>
             <a:fld id="{07EB891E-51F0-4EFC-99FB-EF11C5A4D59E}" type="datetimeFigureOut">
               <a:rPr lang="zh-CN" altLang="en-US" smtClean="0"/>
-              <a:t>2019/11/8</a:t>
+              <a:t>2019/12/13</a:t>
             </a:fld>
             <a:endParaRPr lang="zh-CN" altLang="en-US"/>
           </a:p>
@@ -897,7 +908,7 @@
           <a:p>
             <a:fld id="{07EB891E-51F0-4EFC-99FB-EF11C5A4D59E}" type="datetimeFigureOut">
               <a:rPr lang="zh-CN" altLang="en-US" smtClean="0"/>
-              <a:t>2019/11/8</a:t>
+              <a:t>2019/12/13</a:t>
             </a:fld>
             <a:endParaRPr lang="zh-CN" altLang="en-US"/>
           </a:p>
@@ -1105,7 +1116,7 @@
           <a:p>
             <a:fld id="{07EB891E-51F0-4EFC-99FB-EF11C5A4D59E}" type="datetimeFigureOut">
               <a:rPr lang="zh-CN" altLang="en-US" smtClean="0"/>
-              <a:t>2019/11/8</a:t>
+              <a:t>2019/12/13</a:t>
             </a:fld>
             <a:endParaRPr lang="zh-CN" altLang="en-US"/>
           </a:p>
@@ -1303,7 +1314,7 @@
           <a:p>
             <a:fld id="{07EB891E-51F0-4EFC-99FB-EF11C5A4D59E}" type="datetimeFigureOut">
               <a:rPr lang="zh-CN" altLang="en-US" smtClean="0"/>
-              <a:t>2019/11/8</a:t>
+              <a:t>2019/12/13</a:t>
             </a:fld>
             <a:endParaRPr lang="zh-CN" altLang="en-US"/>
           </a:p>
@@ -1578,7 +1589,7 @@
           <a:p>
             <a:fld id="{07EB891E-51F0-4EFC-99FB-EF11C5A4D59E}" type="datetimeFigureOut">
               <a:rPr lang="zh-CN" altLang="en-US" smtClean="0"/>
-              <a:t>2019/11/8</a:t>
+              <a:t>2019/12/13</a:t>
             </a:fld>
             <a:endParaRPr lang="zh-CN" altLang="en-US"/>
           </a:p>
@@ -1843,7 +1854,7 @@
           <a:p>
             <a:fld id="{07EB891E-51F0-4EFC-99FB-EF11C5A4D59E}" type="datetimeFigureOut">
               <a:rPr lang="zh-CN" altLang="en-US" smtClean="0"/>
-              <a:t>2019/11/8</a:t>
+              <a:t>2019/12/13</a:t>
             </a:fld>
             <a:endParaRPr lang="zh-CN" altLang="en-US"/>
           </a:p>
@@ -2255,7 +2266,7 @@
           <a:p>
             <a:fld id="{07EB891E-51F0-4EFC-99FB-EF11C5A4D59E}" type="datetimeFigureOut">
               <a:rPr lang="zh-CN" altLang="en-US" smtClean="0"/>
-              <a:t>2019/11/8</a:t>
+              <a:t>2019/12/13</a:t>
             </a:fld>
             <a:endParaRPr lang="zh-CN" altLang="en-US"/>
           </a:p>
@@ -2396,7 +2407,7 @@
           <a:p>
             <a:fld id="{07EB891E-51F0-4EFC-99FB-EF11C5A4D59E}" type="datetimeFigureOut">
               <a:rPr lang="zh-CN" altLang="en-US" smtClean="0"/>
-              <a:t>2019/11/8</a:t>
+              <a:t>2019/12/13</a:t>
             </a:fld>
             <a:endParaRPr lang="zh-CN" altLang="en-US"/>
           </a:p>
@@ -2509,7 +2520,7 @@
           <a:p>
             <a:fld id="{07EB891E-51F0-4EFC-99FB-EF11C5A4D59E}" type="datetimeFigureOut">
               <a:rPr lang="zh-CN" altLang="en-US" smtClean="0"/>
-              <a:t>2019/11/8</a:t>
+              <a:t>2019/12/13</a:t>
             </a:fld>
             <a:endParaRPr lang="zh-CN" altLang="en-US"/>
           </a:p>
@@ -2820,7 +2831,7 @@
           <a:p>
             <a:fld id="{07EB891E-51F0-4EFC-99FB-EF11C5A4D59E}" type="datetimeFigureOut">
               <a:rPr lang="zh-CN" altLang="en-US" smtClean="0"/>
-              <a:t>2019/11/8</a:t>
+              <a:t>2019/12/13</a:t>
             </a:fld>
             <a:endParaRPr lang="zh-CN" altLang="en-US"/>
           </a:p>
@@ -3108,7 +3119,7 @@
           <a:p>
             <a:fld id="{07EB891E-51F0-4EFC-99FB-EF11C5A4D59E}" type="datetimeFigureOut">
               <a:rPr lang="zh-CN" altLang="en-US" smtClean="0"/>
-              <a:t>2019/11/8</a:t>
+              <a:t>2019/12/13</a:t>
             </a:fld>
             <a:endParaRPr lang="zh-CN" altLang="en-US"/>
           </a:p>
@@ -3349,7 +3360,7 @@
           <a:p>
             <a:fld id="{07EB891E-51F0-4EFC-99FB-EF11C5A4D59E}" type="datetimeFigureOut">
               <a:rPr lang="zh-CN" altLang="en-US" smtClean="0"/>
-              <a:t>2019/11/8</a:t>
+              <a:t>2019/12/13</a:t>
             </a:fld>
             <a:endParaRPr lang="zh-CN" altLang="en-US"/>
           </a:p>
@@ -3884,7 +3895,7 @@
           <p:cNvPr id="2" name="标题 1">
             <a:extLst>
               <a:ext uri="{FF2B5EF4-FFF2-40B4-BE49-F238E27FC236}">
-                <a16:creationId xmlns:a16="http://schemas.microsoft.com/office/drawing/2014/main" id="{315FBC10-4D6F-4288-BEF4-6226CF887712}"/>
+                <a16:creationId xmlns:a16="http://schemas.microsoft.com/office/drawing/2014/main" id="{E75868E5-2CBB-4937-82A8-BEEC5120FBCD}"/>
               </a:ext>
             </a:extLst>
           </p:cNvPr>
@@ -3901,20 +3912,16 @@
           <a:lstStyle/>
           <a:p>
             <a:r>
-              <a:rPr lang="en-US" altLang="zh-CN" dirty="0"/>
-              <a:t>2.</a:t>
-            </a:r>
-            <a:r>
               <a:rPr lang="zh-CN" altLang="en-US" dirty="0"/>
-              <a:t>钉钉报警</a:t>
-            </a:r>
-            <a:r>
-              <a:rPr lang="en-US" altLang="zh-CN" dirty="0"/>
-              <a:t>Admin</a:t>
+              <a:t>增加</a:t>
+            </a:r>
+            <a:r>
+              <a:rPr lang="en-US" altLang="zh-CN" dirty="0" err="1"/>
+              <a:t>taobao</a:t>
             </a:r>
             <a:r>
               <a:rPr lang="zh-CN" altLang="en-US" dirty="0"/>
-              <a:t>填写格式</a:t>
+              <a:t>依赖库</a:t>
             </a:r>
           </a:p>
         </p:txBody>
@@ -3924,7 +3931,7 @@
           <p:cNvPr id="4" name="内容占位符 3">
             <a:extLst>
               <a:ext uri="{FF2B5EF4-FFF2-40B4-BE49-F238E27FC236}">
-                <a16:creationId xmlns:a16="http://schemas.microsoft.com/office/drawing/2014/main" id="{BCBF2E32-6BE2-4511-A853-F38D5D22BA81}"/>
+                <a16:creationId xmlns:a16="http://schemas.microsoft.com/office/drawing/2014/main" id="{2A2919E0-D091-435C-B095-F92A5740BB4B}"/>
               </a:ext>
             </a:extLst>
           </p:cNvPr>
@@ -3943,8 +3950,8 @@
         </p:blipFill>
         <p:spPr>
           <a:xfrm>
-            <a:off x="2457798" y="1825625"/>
-            <a:ext cx="7276404" cy="4351338"/>
+            <a:off x="838200" y="1860460"/>
+            <a:ext cx="10515600" cy="4351338"/>
           </a:xfrm>
           <a:prstGeom prst="rect">
             <a:avLst/>
@@ -3954,7 +3961,7 @@
     </p:spTree>
     <p:extLst>
       <p:ext uri="{BB962C8B-B14F-4D97-AF65-F5344CB8AC3E}">
-        <p14:creationId xmlns:p14="http://schemas.microsoft.com/office/powerpoint/2010/main" val="441440110"/>
+        <p14:creationId xmlns:p14="http://schemas.microsoft.com/office/powerpoint/2010/main" val="3374591697"/>
       </p:ext>
     </p:extLst>
   </p:cSld>
@@ -3964,7 +3971,7 @@
 </p:sld>
 </file>
 
-<file path=ppt/slides/slide2.xml><?xml version="1.0" encoding="utf-8"?>
+<file path=ppt/slides/slide11.xml><?xml version="1.0" encoding="utf-8"?>
 <p:sld xmlns:a="http://schemas.openxmlformats.org/drawingml/2006/main" xmlns:r="http://schemas.openxmlformats.org/officeDocument/2006/relationships" xmlns:p="http://schemas.openxmlformats.org/presentationml/2006/main">
   <p:cSld>
     <p:spTree>
@@ -3986,7 +3993,7 @@
           <p:cNvPr id="2" name="标题 1">
             <a:extLst>
               <a:ext uri="{FF2B5EF4-FFF2-40B4-BE49-F238E27FC236}">
-                <a16:creationId xmlns:a16="http://schemas.microsoft.com/office/drawing/2014/main" id="{BD04B30C-CE36-479F-A20D-05051AC92061}"/>
+                <a16:creationId xmlns:a16="http://schemas.microsoft.com/office/drawing/2014/main" id="{2C81CAE7-4607-43CC-8EF4-C60152441C94}"/>
               </a:ext>
             </a:extLst>
           </p:cNvPr>
@@ -4004,99 +4011,55 @@
           <a:p>
             <a:r>
               <a:rPr lang="zh-CN" altLang="en-US" dirty="0"/>
-              <a:t>作者描述</a:t>
-            </a:r>
-          </a:p>
-        </p:txBody>
-      </p:sp>
-      <p:sp>
-        <p:nvSpPr>
-          <p:cNvPr id="3" name="内容占位符 2">
-            <a:extLst>
-              <a:ext uri="{FF2B5EF4-FFF2-40B4-BE49-F238E27FC236}">
-                <a16:creationId xmlns:a16="http://schemas.microsoft.com/office/drawing/2014/main" id="{0D4C0333-D133-44B7-8C04-6F306CD7AE4F}"/>
-              </a:ext>
-            </a:extLst>
-          </p:cNvPr>
-          <p:cNvSpPr>
-            <a:spLocks noGrp="1"/>
-          </p:cNvSpPr>
+              <a:t>修改钉钉报警</a:t>
+            </a:r>
+            <a:r>
+              <a:rPr lang="en-US" altLang="zh-CN" dirty="0"/>
+              <a:t>,Alibaba JAVA </a:t>
+            </a:r>
+            <a:r>
+              <a:rPr lang="zh-CN" altLang="en-US" dirty="0"/>
+              <a:t>依赖库</a:t>
+            </a:r>
+          </a:p>
+        </p:txBody>
+      </p:sp>
+      <p:pic>
+        <p:nvPicPr>
+          <p:cNvPr id="4" name="内容占位符 3">
+            <a:extLst>
+              <a:ext uri="{FF2B5EF4-FFF2-40B4-BE49-F238E27FC236}">
+                <a16:creationId xmlns:a16="http://schemas.microsoft.com/office/drawing/2014/main" id="{CE824BA4-F029-460F-9EBB-FFAB064CE8E9}"/>
+              </a:ext>
+            </a:extLst>
+          </p:cNvPr>
+          <p:cNvPicPr>
+            <a:picLocks noGrp="1" noChangeAspect="1"/>
+          </p:cNvPicPr>
           <p:nvPr>
             <p:ph idx="1"/>
           </p:nvPr>
-        </p:nvSpPr>
-        <p:spPr/>
-        <p:txBody>
-          <a:bodyPr/>
-          <a:lstStyle/>
-          <a:p>
-            <a:r>
-              <a:rPr lang="zh-CN" altLang="en-US" dirty="0"/>
-              <a:t>作者本人是一名运维，不懂</a:t>
-            </a:r>
-            <a:r>
-              <a:rPr lang="en-US" altLang="zh-CN" dirty="0"/>
-              <a:t>JAVA</a:t>
-            </a:r>
-            <a:r>
-              <a:rPr lang="zh-CN" altLang="en-US" dirty="0"/>
-              <a:t>开发，因业务需求用到许雪里大神的</a:t>
-            </a:r>
-            <a:r>
-              <a:rPr lang="en-US" altLang="zh-CN" dirty="0" err="1"/>
-              <a:t>xxl</a:t>
-            </a:r>
-            <a:r>
-              <a:rPr lang="en-US" altLang="zh-CN" dirty="0"/>
-              <a:t>-job</a:t>
-            </a:r>
-            <a:r>
-              <a:rPr lang="zh-CN" altLang="en-US" dirty="0"/>
-              <a:t>项目，但是项目默认是邮件报警，因运维业务需求需要二次开发钉钉报警，作者不会</a:t>
-            </a:r>
-            <a:r>
-              <a:rPr lang="en-US" altLang="zh-CN" dirty="0"/>
-              <a:t>JAVA</a:t>
-            </a:r>
-            <a:r>
-              <a:rPr lang="zh-CN" altLang="en-US" dirty="0"/>
-              <a:t>代码，在</a:t>
-            </a:r>
-            <a:r>
-              <a:rPr lang="en-US" altLang="zh-CN" dirty="0" err="1"/>
-              <a:t>xxl</a:t>
-            </a:r>
-            <a:r>
-              <a:rPr lang="en-US" altLang="zh-CN" dirty="0"/>
-              <a:t>-job</a:t>
-            </a:r>
-            <a:r>
-              <a:rPr lang="zh-CN" altLang="en-US" dirty="0"/>
-              <a:t>项目社区群寻求帮助，有幸得到</a:t>
-            </a:r>
-            <a:r>
-              <a:rPr lang="en-US" altLang="zh-CN" dirty="0">
-                <a:hlinkClick r:id="rId2"/>
-              </a:rPr>
-              <a:t>JAVA</a:t>
-            </a:r>
-            <a:r>
-              <a:rPr lang="zh-CN" altLang="en-US" dirty="0">
-                <a:hlinkClick r:id="rId2"/>
-              </a:rPr>
-              <a:t>大神</a:t>
-            </a:r>
-            <a:r>
-              <a:rPr lang="zh-CN" altLang="en-US" dirty="0"/>
-              <a:t>的帮助。</a:t>
-            </a:r>
-          </a:p>
-        </p:txBody>
-      </p:sp>
+        </p:nvPicPr>
+        <p:blipFill>
+          <a:blip r:embed="rId2"/>
+          <a:stretch>
+            <a:fillRect/>
+          </a:stretch>
+        </p:blipFill>
+        <p:spPr>
+          <a:xfrm>
+            <a:off x="838199" y="1834334"/>
+            <a:ext cx="10515599" cy="4351338"/>
+          </a:xfrm>
+          <a:prstGeom prst="rect">
+            <a:avLst/>
+          </a:prstGeom>
+        </p:spPr>
+      </p:pic>
     </p:spTree>
     <p:extLst>
       <p:ext uri="{BB962C8B-B14F-4D97-AF65-F5344CB8AC3E}">
-        <p14:creationId xmlns:p14="http://schemas.microsoft.com/office/powerpoint/2010/main" val="2880345222"/>
+        <p14:creationId xmlns:p14="http://schemas.microsoft.com/office/powerpoint/2010/main" val="1971998931"/>
       </p:ext>
     </p:extLst>
   </p:cSld>
@@ -4106,7 +4069,7 @@
 </p:sld>
 </file>
 
-<file path=ppt/slides/slide3.xml><?xml version="1.0" encoding="utf-8"?>
+<file path=ppt/slides/slide12.xml><?xml version="1.0" encoding="utf-8"?>
 <p:sld xmlns:a="http://schemas.openxmlformats.org/drawingml/2006/main" xmlns:r="http://schemas.openxmlformats.org/officeDocument/2006/relationships" xmlns:p="http://schemas.openxmlformats.org/presentationml/2006/main">
   <p:cSld>
     <p:spTree>
@@ -4128,7 +4091,7 @@
           <p:cNvPr id="2" name="标题 1">
             <a:extLst>
               <a:ext uri="{FF2B5EF4-FFF2-40B4-BE49-F238E27FC236}">
-                <a16:creationId xmlns:a16="http://schemas.microsoft.com/office/drawing/2014/main" id="{2B33E225-B5D9-4CFC-8D4C-0BCA15463F6A}"/>
+                <a16:creationId xmlns:a16="http://schemas.microsoft.com/office/drawing/2014/main" id="{3935E78D-5313-49CA-A852-EFF3641D802E}"/>
               </a:ext>
             </a:extLst>
           </p:cNvPr>
@@ -4141,333 +4104,9 @@
         </p:nvSpPr>
         <p:spPr/>
         <p:txBody>
-          <a:bodyPr>
-            <a:normAutofit/>
-          </a:bodyPr>
-          <a:lstStyle/>
-          <a:p>
-            <a:r>
-              <a:rPr lang="zh-CN" altLang="en-US" sz="2000" dirty="0"/>
-              <a:t>修改数据库修改邮件报警数据</a:t>
-            </a:r>
-            <a:r>
-              <a:rPr lang="en-US" altLang="zh-CN" sz="2000" dirty="0" err="1"/>
-              <a:t>xxl_job_info</a:t>
-            </a:r>
-            <a:r>
-              <a:rPr lang="zh-CN" altLang="en-US" sz="2000" dirty="0"/>
-              <a:t>表，</a:t>
-            </a:r>
-            <a:r>
-              <a:rPr lang="en-US" altLang="zh-CN" sz="2000" dirty="0" err="1"/>
-              <a:t>alarm_email</a:t>
-            </a:r>
-            <a:r>
-              <a:rPr lang="zh-CN" altLang="en-US" sz="2000" dirty="0"/>
-              <a:t>子段类型，修改为</a:t>
-            </a:r>
-            <a:r>
-              <a:rPr lang="en-US" altLang="zh-CN" sz="2000" dirty="0"/>
-              <a:t>text</a:t>
-            </a:r>
-            <a:endParaRPr lang="zh-CN" altLang="en-US" sz="2000" dirty="0"/>
-          </a:p>
-        </p:txBody>
-      </p:sp>
-      <p:pic>
-        <p:nvPicPr>
-          <p:cNvPr id="5" name="内容占位符 4">
-            <a:extLst>
-              <a:ext uri="{FF2B5EF4-FFF2-40B4-BE49-F238E27FC236}">
-                <a16:creationId xmlns:a16="http://schemas.microsoft.com/office/drawing/2014/main" id="{6347E56B-0222-463E-BC12-168B1DCCCA54}"/>
-              </a:ext>
-            </a:extLst>
-          </p:cNvPr>
-          <p:cNvPicPr>
-            <a:picLocks noGrp="1" noChangeAspect="1"/>
-          </p:cNvPicPr>
-          <p:nvPr>
-            <p:ph idx="1"/>
-          </p:nvPr>
-        </p:nvPicPr>
-        <p:blipFill>
-          <a:blip r:embed="rId2">
-            <a:extLst>
-              <a:ext uri="{28A0092B-C50C-407E-A947-70E740481C1C}">
-                <a14:useLocalDpi xmlns:a14="http://schemas.microsoft.com/office/drawing/2010/main" val="0"/>
-              </a:ext>
-            </a:extLst>
-          </a:blip>
-          <a:stretch>
-            <a:fillRect/>
-          </a:stretch>
-        </p:blipFill>
-        <p:spPr>
-          <a:xfrm>
-            <a:off x="838200" y="2315917"/>
-            <a:ext cx="10515600" cy="3370753"/>
-          </a:xfrm>
-        </p:spPr>
-      </p:pic>
-    </p:spTree>
-    <p:extLst>
-      <p:ext uri="{BB962C8B-B14F-4D97-AF65-F5344CB8AC3E}">
-        <p14:creationId xmlns:p14="http://schemas.microsoft.com/office/powerpoint/2010/main" val="3296308030"/>
-      </p:ext>
-    </p:extLst>
-  </p:cSld>
-  <p:clrMapOvr>
-    <a:masterClrMapping/>
-  </p:clrMapOvr>
-</p:sld>
-</file>
-
-<file path=ppt/slides/slide4.xml><?xml version="1.0" encoding="utf-8"?>
-<p:sld xmlns:a="http://schemas.openxmlformats.org/drawingml/2006/main" xmlns:r="http://schemas.openxmlformats.org/officeDocument/2006/relationships" xmlns:p="http://schemas.openxmlformats.org/presentationml/2006/main">
-  <p:cSld>
-    <p:spTree>
-      <p:nvGrpSpPr>
-        <p:cNvPr id="1" name=""/>
-        <p:cNvGrpSpPr/>
-        <p:nvPr/>
-      </p:nvGrpSpPr>
-      <p:grpSpPr>
-        <a:xfrm>
-          <a:off x="0" y="0"/>
-          <a:ext cx="0" cy="0"/>
-          <a:chOff x="0" y="0"/>
-          <a:chExt cx="0" cy="0"/>
-        </a:xfrm>
-      </p:grpSpPr>
-      <p:sp>
-        <p:nvSpPr>
-          <p:cNvPr id="2" name="标题 1">
-            <a:extLst>
-              <a:ext uri="{FF2B5EF4-FFF2-40B4-BE49-F238E27FC236}">
-                <a16:creationId xmlns:a16="http://schemas.microsoft.com/office/drawing/2014/main" id="{EC5A6914-513A-4BAD-8BC0-BEC435481726}"/>
-              </a:ext>
-            </a:extLst>
-          </p:cNvPr>
-          <p:cNvSpPr>
-            <a:spLocks noGrp="1"/>
-          </p:cNvSpPr>
-          <p:nvPr>
-            <p:ph type="title"/>
-          </p:nvPr>
-        </p:nvSpPr>
-        <p:spPr/>
-        <p:txBody>
           <a:bodyPr/>
           <a:lstStyle/>
           <a:p>
-            <a:r>
-              <a:rPr lang="en-US" altLang="zh-CN" dirty="0"/>
-              <a:t>1.</a:t>
-            </a:r>
-            <a:r>
-              <a:rPr lang="zh-CN" altLang="en-US" dirty="0"/>
-              <a:t>修改</a:t>
-            </a:r>
-            <a:r>
-              <a:rPr lang="en-US" altLang="zh-CN" dirty="0"/>
-              <a:t>admin</a:t>
-            </a:r>
-            <a:r>
-              <a:rPr lang="zh-CN" altLang="en-US" dirty="0"/>
-              <a:t>中心邮件报警处填写长度</a:t>
-            </a:r>
-          </a:p>
-        </p:txBody>
-      </p:sp>
-      <p:pic>
-        <p:nvPicPr>
-          <p:cNvPr id="4" name="内容占位符 3">
-            <a:extLst>
-              <a:ext uri="{FF2B5EF4-FFF2-40B4-BE49-F238E27FC236}">
-                <a16:creationId xmlns:a16="http://schemas.microsoft.com/office/drawing/2014/main" id="{4AD3F0DB-941C-4210-A2AF-B4B664EF055D}"/>
-              </a:ext>
-            </a:extLst>
-          </p:cNvPr>
-          <p:cNvPicPr>
-            <a:picLocks noGrp="1" noChangeAspect="1"/>
-          </p:cNvPicPr>
-          <p:nvPr>
-            <p:ph idx="1"/>
-          </p:nvPr>
-        </p:nvPicPr>
-        <p:blipFill>
-          <a:blip r:embed="rId3"/>
-          <a:stretch>
-            <a:fillRect/>
-          </a:stretch>
-        </p:blipFill>
-        <p:spPr>
-          <a:xfrm>
-            <a:off x="1928152" y="1825625"/>
-            <a:ext cx="8335695" cy="4351338"/>
-          </a:xfrm>
-          <a:prstGeom prst="rect">
-            <a:avLst/>
-          </a:prstGeom>
-        </p:spPr>
-      </p:pic>
-    </p:spTree>
-    <p:extLst>
-      <p:ext uri="{BB962C8B-B14F-4D97-AF65-F5344CB8AC3E}">
-        <p14:creationId xmlns:p14="http://schemas.microsoft.com/office/powerpoint/2010/main" val="1616748817"/>
-      </p:ext>
-    </p:extLst>
-  </p:cSld>
-  <p:clrMapOvr>
-    <a:masterClrMapping/>
-  </p:clrMapOvr>
-</p:sld>
-</file>
-
-<file path=ppt/slides/slide5.xml><?xml version="1.0" encoding="utf-8"?>
-<p:sld xmlns:a="http://schemas.openxmlformats.org/drawingml/2006/main" xmlns:r="http://schemas.openxmlformats.org/officeDocument/2006/relationships" xmlns:p="http://schemas.openxmlformats.org/presentationml/2006/main">
-  <p:cSld>
-    <p:spTree>
-      <p:nvGrpSpPr>
-        <p:cNvPr id="1" name=""/>
-        <p:cNvGrpSpPr/>
-        <p:nvPr/>
-      </p:nvGrpSpPr>
-      <p:grpSpPr>
-        <a:xfrm>
-          <a:off x="0" y="0"/>
-          <a:ext cx="0" cy="0"/>
-          <a:chOff x="0" y="0"/>
-          <a:chExt cx="0" cy="0"/>
-        </a:xfrm>
-      </p:grpSpPr>
-      <p:sp>
-        <p:nvSpPr>
-          <p:cNvPr id="2" name="标题 1">
-            <a:extLst>
-              <a:ext uri="{FF2B5EF4-FFF2-40B4-BE49-F238E27FC236}">
-                <a16:creationId xmlns:a16="http://schemas.microsoft.com/office/drawing/2014/main" id="{8EC198B5-4E9F-4755-9D66-E5E4ED987972}"/>
-              </a:ext>
-            </a:extLst>
-          </p:cNvPr>
-          <p:cNvSpPr>
-            <a:spLocks noGrp="1"/>
-          </p:cNvSpPr>
-          <p:nvPr>
-            <p:ph type="title"/>
-          </p:nvPr>
-        </p:nvSpPr>
-        <p:spPr/>
-        <p:txBody>
-          <a:bodyPr/>
-          <a:lstStyle/>
-          <a:p>
-            <a:r>
-              <a:rPr lang="en-US" altLang="zh-CN" dirty="0"/>
-              <a:t>2.</a:t>
-            </a:r>
-            <a:r>
-              <a:rPr lang="zh-CN" altLang="en-US" dirty="0"/>
-              <a:t>修改</a:t>
-            </a:r>
-            <a:r>
-              <a:rPr lang="en-US" altLang="zh-CN" dirty="0"/>
-              <a:t>admin</a:t>
-            </a:r>
-            <a:r>
-              <a:rPr lang="zh-CN" altLang="en-US" dirty="0"/>
-              <a:t>中心邮件报警处填写长度</a:t>
-            </a:r>
-          </a:p>
-        </p:txBody>
-      </p:sp>
-      <p:pic>
-        <p:nvPicPr>
-          <p:cNvPr id="4" name="内容占位符 3">
-            <a:extLst>
-              <a:ext uri="{FF2B5EF4-FFF2-40B4-BE49-F238E27FC236}">
-                <a16:creationId xmlns:a16="http://schemas.microsoft.com/office/drawing/2014/main" id="{20F93B27-C4CA-4050-91C5-7F9A842912EF}"/>
-              </a:ext>
-            </a:extLst>
-          </p:cNvPr>
-          <p:cNvPicPr>
-            <a:picLocks noGrp="1" noChangeAspect="1"/>
-          </p:cNvPicPr>
-          <p:nvPr>
-            <p:ph idx="1"/>
-          </p:nvPr>
-        </p:nvPicPr>
-        <p:blipFill>
-          <a:blip r:embed="rId2"/>
-          <a:stretch>
-            <a:fillRect/>
-          </a:stretch>
-        </p:blipFill>
-        <p:spPr>
-          <a:xfrm>
-            <a:off x="2317905" y="1825625"/>
-            <a:ext cx="7556189" cy="4351338"/>
-          </a:xfrm>
-          <a:prstGeom prst="rect">
-            <a:avLst/>
-          </a:prstGeom>
-        </p:spPr>
-      </p:pic>
-    </p:spTree>
-    <p:extLst>
-      <p:ext uri="{BB962C8B-B14F-4D97-AF65-F5344CB8AC3E}">
-        <p14:creationId xmlns:p14="http://schemas.microsoft.com/office/powerpoint/2010/main" val="1492260670"/>
-      </p:ext>
-    </p:extLst>
-  </p:cSld>
-  <p:clrMapOvr>
-    <a:masterClrMapping/>
-  </p:clrMapOvr>
-</p:sld>
-</file>
-
-<file path=ppt/slides/slide6.xml><?xml version="1.0" encoding="utf-8"?>
-<p:sld xmlns:a="http://schemas.openxmlformats.org/drawingml/2006/main" xmlns:r="http://schemas.openxmlformats.org/officeDocument/2006/relationships" xmlns:p="http://schemas.openxmlformats.org/presentationml/2006/main">
-  <p:cSld>
-    <p:spTree>
-      <p:nvGrpSpPr>
-        <p:cNvPr id="1" name=""/>
-        <p:cNvGrpSpPr/>
-        <p:nvPr/>
-      </p:nvGrpSpPr>
-      <p:grpSpPr>
-        <a:xfrm>
-          <a:off x="0" y="0"/>
-          <a:ext cx="0" cy="0"/>
-          <a:chOff x="0" y="0"/>
-          <a:chExt cx="0" cy="0"/>
-        </a:xfrm>
-      </p:grpSpPr>
-      <p:sp>
-        <p:nvSpPr>
-          <p:cNvPr id="2" name="标题 1">
-            <a:extLst>
-              <a:ext uri="{FF2B5EF4-FFF2-40B4-BE49-F238E27FC236}">
-                <a16:creationId xmlns:a16="http://schemas.microsoft.com/office/drawing/2014/main" id="{3935E78D-5313-49CA-A852-EFF3641D802E}"/>
-              </a:ext>
-            </a:extLst>
-          </p:cNvPr>
-          <p:cNvSpPr>
-            <a:spLocks noGrp="1"/>
-          </p:cNvSpPr>
-          <p:nvPr>
-            <p:ph type="title"/>
-          </p:nvPr>
-        </p:nvSpPr>
-        <p:spPr/>
-        <p:txBody>
-          <a:bodyPr/>
-          <a:lstStyle/>
-          <a:p>
-            <a:r>
-              <a:rPr lang="en-US" altLang="zh-CN" dirty="0"/>
-              <a:t>1.</a:t>
-            </a:r>
             <a:r>
               <a:rPr lang="zh-CN" altLang="en-US" dirty="0"/>
               <a:t>修改钉钉报警</a:t>
@@ -4528,7 +4167,7 @@
 </p:sld>
 </file>
 
-<file path=ppt/slides/slide7.xml><?xml version="1.0" encoding="utf-8"?>
+<file path=ppt/slides/slide13.xml><?xml version="1.0" encoding="utf-8"?>
 <p:sld xmlns:a="http://schemas.openxmlformats.org/drawingml/2006/main" xmlns:r="http://schemas.openxmlformats.org/officeDocument/2006/relationships" xmlns:p="http://schemas.openxmlformats.org/presentationml/2006/main">
   <p:cSld>
     <p:spTree>
@@ -4550,7 +4189,7 @@
           <p:cNvPr id="2" name="标题 1">
             <a:extLst>
               <a:ext uri="{FF2B5EF4-FFF2-40B4-BE49-F238E27FC236}">
-                <a16:creationId xmlns:a16="http://schemas.microsoft.com/office/drawing/2014/main" id="{77B4EE17-3D79-4C9B-A139-C75C77C0C4C3}"/>
+                <a16:creationId xmlns:a16="http://schemas.microsoft.com/office/drawing/2014/main" id="{F4DCC193-FC73-4826-93A2-240DDFEBCB8F}"/>
               </a:ext>
             </a:extLst>
           </p:cNvPr>
@@ -4567,20 +4206,16 @@
           <a:lstStyle/>
           <a:p>
             <a:r>
+              <a:rPr lang="zh-CN" altLang="en-US" dirty="0"/>
+              <a:t>修改</a:t>
+            </a:r>
+            <a:r>
               <a:rPr lang="en-US" altLang="zh-CN" dirty="0"/>
-              <a:t>2.</a:t>
+              <a:t>web</a:t>
             </a:r>
             <a:r>
               <a:rPr lang="zh-CN" altLang="en-US" dirty="0"/>
-              <a:t>修改钉钉报警</a:t>
-            </a:r>
-            <a:r>
-              <a:rPr lang="en-US" altLang="zh-CN" dirty="0"/>
-              <a:t>,Alibaba JAVA </a:t>
-            </a:r>
-            <a:r>
-              <a:rPr lang="zh-CN" altLang="en-US" dirty="0"/>
-              <a:t>依赖库</a:t>
+              <a:t>页面钉钉报警字段长度</a:t>
             </a:r>
           </a:p>
         </p:txBody>
@@ -4590,7 +4225,7 @@
           <p:cNvPr id="4" name="内容占位符 3">
             <a:extLst>
               <a:ext uri="{FF2B5EF4-FFF2-40B4-BE49-F238E27FC236}">
-                <a16:creationId xmlns:a16="http://schemas.microsoft.com/office/drawing/2014/main" id="{6F9A89BD-64CC-4B3F-BC2B-046C26A58F4D}"/>
+                <a16:creationId xmlns:a16="http://schemas.microsoft.com/office/drawing/2014/main" id="{8453B569-DFA7-4864-A6C9-E6909A6FDEDA}"/>
               </a:ext>
             </a:extLst>
           </p:cNvPr>
@@ -4609,8 +4244,8 @@
         </p:blipFill>
         <p:spPr>
           <a:xfrm>
-            <a:off x="2329401" y="1825625"/>
-            <a:ext cx="7533198" cy="4351338"/>
+            <a:off x="992777" y="1825625"/>
+            <a:ext cx="9760313" cy="4351338"/>
           </a:xfrm>
           <a:prstGeom prst="rect">
             <a:avLst/>
@@ -4620,7 +4255,7 @@
     </p:spTree>
     <p:extLst>
       <p:ext uri="{BB962C8B-B14F-4D97-AF65-F5344CB8AC3E}">
-        <p14:creationId xmlns:p14="http://schemas.microsoft.com/office/powerpoint/2010/main" val="1412610649"/>
+        <p14:creationId xmlns:p14="http://schemas.microsoft.com/office/powerpoint/2010/main" val="2640462761"/>
       </p:ext>
     </p:extLst>
   </p:cSld>
@@ -4630,7 +4265,7 @@
 </p:sld>
 </file>
 
-<file path=ppt/slides/slide8.xml><?xml version="1.0" encoding="utf-8"?>
+<file path=ppt/slides/slide14.xml><?xml version="1.0" encoding="utf-8"?>
 <p:sld xmlns:a="http://schemas.openxmlformats.org/drawingml/2006/main" xmlns:r="http://schemas.openxmlformats.org/officeDocument/2006/relationships" xmlns:p="http://schemas.openxmlformats.org/presentationml/2006/main">
   <p:cSld>
     <p:spTree>
@@ -4668,10 +4303,6 @@
           <a:bodyPr/>
           <a:lstStyle/>
           <a:p>
-            <a:r>
-              <a:rPr lang="en-US" altLang="zh-CN" dirty="0"/>
-              <a:t>1.</a:t>
-            </a:r>
             <a:r>
               <a:rPr lang="zh-CN" altLang="en-US" dirty="0"/>
               <a:t>钉钉报警</a:t>
@@ -5574,7 +5205,7 @@
 </p:sld>
 </file>
 
-<file path=ppt/slides/slide9.xml><?xml version="1.0" encoding="utf-8"?>
+<file path=ppt/slides/slide15.xml><?xml version="1.0" encoding="utf-8"?>
 <p:sld xmlns:a="http://schemas.openxmlformats.org/drawingml/2006/main" xmlns:r="http://schemas.openxmlformats.org/officeDocument/2006/relationships" xmlns:p="http://schemas.openxmlformats.org/presentationml/2006/main">
   <p:cSld>
     <p:spTree>
@@ -5705,6 +5336,1014 @@
     <p:extLst>
       <p:ext uri="{BB962C8B-B14F-4D97-AF65-F5344CB8AC3E}">
         <p14:creationId xmlns:p14="http://schemas.microsoft.com/office/powerpoint/2010/main" val="4137268923"/>
+      </p:ext>
+    </p:extLst>
+  </p:cSld>
+  <p:clrMapOvr>
+    <a:masterClrMapping/>
+  </p:clrMapOvr>
+</p:sld>
+</file>
+
+<file path=ppt/slides/slide16.xml><?xml version="1.0" encoding="utf-8"?>
+<p:sld xmlns:a="http://schemas.openxmlformats.org/drawingml/2006/main" xmlns:r="http://schemas.openxmlformats.org/officeDocument/2006/relationships" xmlns:p="http://schemas.openxmlformats.org/presentationml/2006/main">
+  <p:cSld>
+    <p:spTree>
+      <p:nvGrpSpPr>
+        <p:cNvPr id="1" name=""/>
+        <p:cNvGrpSpPr/>
+        <p:nvPr/>
+      </p:nvGrpSpPr>
+      <p:grpSpPr>
+        <a:xfrm>
+          <a:off x="0" y="0"/>
+          <a:ext cx="0" cy="0"/>
+          <a:chOff x="0" y="0"/>
+          <a:chExt cx="0" cy="0"/>
+        </a:xfrm>
+      </p:grpSpPr>
+      <p:sp>
+        <p:nvSpPr>
+          <p:cNvPr id="2" name="标题 1">
+            <a:extLst>
+              <a:ext uri="{FF2B5EF4-FFF2-40B4-BE49-F238E27FC236}">
+                <a16:creationId xmlns:a16="http://schemas.microsoft.com/office/drawing/2014/main" id="{315FBC10-4D6F-4288-BEF4-6226CF887712}"/>
+              </a:ext>
+            </a:extLst>
+          </p:cNvPr>
+          <p:cNvSpPr>
+            <a:spLocks noGrp="1"/>
+          </p:cNvSpPr>
+          <p:nvPr>
+            <p:ph type="title"/>
+          </p:nvPr>
+        </p:nvSpPr>
+        <p:spPr/>
+        <p:txBody>
+          <a:bodyPr/>
+          <a:lstStyle/>
+          <a:p>
+            <a:r>
+              <a:rPr lang="en-US" altLang="zh-CN" dirty="0"/>
+              <a:t>2.</a:t>
+            </a:r>
+            <a:r>
+              <a:rPr lang="zh-CN" altLang="en-US" dirty="0"/>
+              <a:t>钉钉报警</a:t>
+            </a:r>
+            <a:r>
+              <a:rPr lang="en-US" altLang="zh-CN" dirty="0"/>
+              <a:t>Admin</a:t>
+            </a:r>
+            <a:r>
+              <a:rPr lang="zh-CN" altLang="en-US" dirty="0"/>
+              <a:t>填写格式</a:t>
+            </a:r>
+          </a:p>
+        </p:txBody>
+      </p:sp>
+      <p:pic>
+        <p:nvPicPr>
+          <p:cNvPr id="4" name="内容占位符 3">
+            <a:extLst>
+              <a:ext uri="{FF2B5EF4-FFF2-40B4-BE49-F238E27FC236}">
+                <a16:creationId xmlns:a16="http://schemas.microsoft.com/office/drawing/2014/main" id="{BCBF2E32-6BE2-4511-A853-F38D5D22BA81}"/>
+              </a:ext>
+            </a:extLst>
+          </p:cNvPr>
+          <p:cNvPicPr>
+            <a:picLocks noGrp="1" noChangeAspect="1"/>
+          </p:cNvPicPr>
+          <p:nvPr>
+            <p:ph idx="1"/>
+          </p:nvPr>
+        </p:nvPicPr>
+        <p:blipFill>
+          <a:blip r:embed="rId2"/>
+          <a:stretch>
+            <a:fillRect/>
+          </a:stretch>
+        </p:blipFill>
+        <p:spPr>
+          <a:xfrm>
+            <a:off x="2457798" y="1825625"/>
+            <a:ext cx="7276404" cy="4351338"/>
+          </a:xfrm>
+          <a:prstGeom prst="rect">
+            <a:avLst/>
+          </a:prstGeom>
+        </p:spPr>
+      </p:pic>
+    </p:spTree>
+    <p:extLst>
+      <p:ext uri="{BB962C8B-B14F-4D97-AF65-F5344CB8AC3E}">
+        <p14:creationId xmlns:p14="http://schemas.microsoft.com/office/powerpoint/2010/main" val="441440110"/>
+      </p:ext>
+    </p:extLst>
+  </p:cSld>
+  <p:clrMapOvr>
+    <a:masterClrMapping/>
+  </p:clrMapOvr>
+</p:sld>
+</file>
+
+<file path=ppt/slides/slide2.xml><?xml version="1.0" encoding="utf-8"?>
+<p:sld xmlns:a="http://schemas.openxmlformats.org/drawingml/2006/main" xmlns:r="http://schemas.openxmlformats.org/officeDocument/2006/relationships" xmlns:p="http://schemas.openxmlformats.org/presentationml/2006/main">
+  <p:cSld>
+    <p:spTree>
+      <p:nvGrpSpPr>
+        <p:cNvPr id="1" name=""/>
+        <p:cNvGrpSpPr/>
+        <p:nvPr/>
+      </p:nvGrpSpPr>
+      <p:grpSpPr>
+        <a:xfrm>
+          <a:off x="0" y="0"/>
+          <a:ext cx="0" cy="0"/>
+          <a:chOff x="0" y="0"/>
+          <a:chExt cx="0" cy="0"/>
+        </a:xfrm>
+      </p:grpSpPr>
+      <p:sp>
+        <p:nvSpPr>
+          <p:cNvPr id="2" name="标题 1">
+            <a:extLst>
+              <a:ext uri="{FF2B5EF4-FFF2-40B4-BE49-F238E27FC236}">
+                <a16:creationId xmlns:a16="http://schemas.microsoft.com/office/drawing/2014/main" id="{BD04B30C-CE36-479F-A20D-05051AC92061}"/>
+              </a:ext>
+            </a:extLst>
+          </p:cNvPr>
+          <p:cNvSpPr>
+            <a:spLocks noGrp="1"/>
+          </p:cNvSpPr>
+          <p:nvPr>
+            <p:ph type="title"/>
+          </p:nvPr>
+        </p:nvSpPr>
+        <p:spPr/>
+        <p:txBody>
+          <a:bodyPr/>
+          <a:lstStyle/>
+          <a:p>
+            <a:r>
+              <a:rPr lang="zh-CN" altLang="en-US" dirty="0"/>
+              <a:t>作者描述</a:t>
+            </a:r>
+          </a:p>
+        </p:txBody>
+      </p:sp>
+      <p:sp>
+        <p:nvSpPr>
+          <p:cNvPr id="3" name="内容占位符 2">
+            <a:extLst>
+              <a:ext uri="{FF2B5EF4-FFF2-40B4-BE49-F238E27FC236}">
+                <a16:creationId xmlns:a16="http://schemas.microsoft.com/office/drawing/2014/main" id="{0D4C0333-D133-44B7-8C04-6F306CD7AE4F}"/>
+              </a:ext>
+            </a:extLst>
+          </p:cNvPr>
+          <p:cNvSpPr>
+            <a:spLocks noGrp="1"/>
+          </p:cNvSpPr>
+          <p:nvPr>
+            <p:ph idx="1"/>
+          </p:nvPr>
+        </p:nvSpPr>
+        <p:spPr/>
+        <p:txBody>
+          <a:bodyPr/>
+          <a:lstStyle/>
+          <a:p>
+            <a:r>
+              <a:rPr lang="zh-CN" altLang="en-US" dirty="0"/>
+              <a:t>作者本人是一名运维，不懂</a:t>
+            </a:r>
+            <a:r>
+              <a:rPr lang="en-US" altLang="zh-CN" dirty="0"/>
+              <a:t>JAVA</a:t>
+            </a:r>
+            <a:r>
+              <a:rPr lang="zh-CN" altLang="en-US" dirty="0"/>
+              <a:t>开发，因业务需求用到许雪里大神的</a:t>
+            </a:r>
+            <a:r>
+              <a:rPr lang="en-US" altLang="zh-CN" dirty="0" err="1"/>
+              <a:t>xxl</a:t>
+            </a:r>
+            <a:r>
+              <a:rPr lang="en-US" altLang="zh-CN" dirty="0"/>
+              <a:t>-job</a:t>
+            </a:r>
+            <a:r>
+              <a:rPr lang="zh-CN" altLang="en-US" dirty="0"/>
+              <a:t>项目，但是项目默认是邮件报警，因运维业务需求需要二次开发钉钉报警，作者不会</a:t>
+            </a:r>
+            <a:r>
+              <a:rPr lang="en-US" altLang="zh-CN" dirty="0"/>
+              <a:t>JAVA</a:t>
+            </a:r>
+            <a:r>
+              <a:rPr lang="zh-CN" altLang="en-US" dirty="0"/>
+              <a:t>代码，在</a:t>
+            </a:r>
+            <a:r>
+              <a:rPr lang="en-US" altLang="zh-CN" dirty="0" err="1"/>
+              <a:t>xxl</a:t>
+            </a:r>
+            <a:r>
+              <a:rPr lang="en-US" altLang="zh-CN" dirty="0"/>
+              <a:t>-job</a:t>
+            </a:r>
+            <a:r>
+              <a:rPr lang="zh-CN" altLang="en-US" dirty="0"/>
+              <a:t>项目社区群寻求帮助，有幸得到</a:t>
+            </a:r>
+            <a:r>
+              <a:rPr lang="en-US" altLang="zh-CN" dirty="0">
+                <a:hlinkClick r:id="rId2"/>
+              </a:rPr>
+              <a:t>JAVA</a:t>
+            </a:r>
+            <a:r>
+              <a:rPr lang="zh-CN" altLang="en-US" dirty="0">
+                <a:hlinkClick r:id="rId2"/>
+              </a:rPr>
+              <a:t>大神</a:t>
+            </a:r>
+            <a:r>
+              <a:rPr lang="zh-CN" altLang="en-US" dirty="0"/>
+              <a:t>的帮助。</a:t>
+            </a:r>
+          </a:p>
+        </p:txBody>
+      </p:sp>
+    </p:spTree>
+    <p:extLst>
+      <p:ext uri="{BB962C8B-B14F-4D97-AF65-F5344CB8AC3E}">
+        <p14:creationId xmlns:p14="http://schemas.microsoft.com/office/powerpoint/2010/main" val="2880345222"/>
+      </p:ext>
+    </p:extLst>
+  </p:cSld>
+  <p:clrMapOvr>
+    <a:masterClrMapping/>
+  </p:clrMapOvr>
+</p:sld>
+</file>
+
+<file path=ppt/slides/slide3.xml><?xml version="1.0" encoding="utf-8"?>
+<p:sld xmlns:a="http://schemas.openxmlformats.org/drawingml/2006/main" xmlns:r="http://schemas.openxmlformats.org/officeDocument/2006/relationships" xmlns:p="http://schemas.openxmlformats.org/presentationml/2006/main">
+  <p:cSld>
+    <p:spTree>
+      <p:nvGrpSpPr>
+        <p:cNvPr id="1" name=""/>
+        <p:cNvGrpSpPr/>
+        <p:nvPr/>
+      </p:nvGrpSpPr>
+      <p:grpSpPr>
+        <a:xfrm>
+          <a:off x="0" y="0"/>
+          <a:ext cx="0" cy="0"/>
+          <a:chOff x="0" y="0"/>
+          <a:chExt cx="0" cy="0"/>
+        </a:xfrm>
+      </p:grpSpPr>
+      <p:sp>
+        <p:nvSpPr>
+          <p:cNvPr id="2" name="标题 1">
+            <a:extLst>
+              <a:ext uri="{FF2B5EF4-FFF2-40B4-BE49-F238E27FC236}">
+                <a16:creationId xmlns:a16="http://schemas.microsoft.com/office/drawing/2014/main" id="{2B33E225-B5D9-4CFC-8D4C-0BCA15463F6A}"/>
+              </a:ext>
+            </a:extLst>
+          </p:cNvPr>
+          <p:cNvSpPr>
+            <a:spLocks noGrp="1"/>
+          </p:cNvSpPr>
+          <p:nvPr>
+            <p:ph type="title"/>
+          </p:nvPr>
+        </p:nvSpPr>
+        <p:spPr/>
+        <p:txBody>
+          <a:bodyPr>
+            <a:normAutofit/>
+          </a:bodyPr>
+          <a:lstStyle/>
+          <a:p>
+            <a:r>
+              <a:rPr lang="zh-CN" altLang="en-US" sz="2300" dirty="0"/>
+              <a:t>修改数据库修改邮件报警数据</a:t>
+            </a:r>
+            <a:r>
+              <a:rPr lang="en-US" altLang="zh-CN" sz="2300" dirty="0" err="1"/>
+              <a:t>xxl_job_info</a:t>
+            </a:r>
+            <a:r>
+              <a:rPr lang="zh-CN" altLang="en-US" sz="2300" dirty="0"/>
+              <a:t>表，</a:t>
+            </a:r>
+            <a:r>
+              <a:rPr lang="en-US" altLang="zh-CN" sz="2300" dirty="0" err="1"/>
+              <a:t>alarm_email</a:t>
+            </a:r>
+            <a:r>
+              <a:rPr lang="zh-CN" altLang="en-US" sz="2300" dirty="0"/>
+              <a:t>子段类型，修改为</a:t>
+            </a:r>
+            <a:r>
+              <a:rPr lang="en-US" altLang="zh-CN" sz="2300" dirty="0"/>
+              <a:t>text</a:t>
+            </a:r>
+            <a:endParaRPr lang="zh-CN" altLang="en-US" sz="2300" dirty="0"/>
+          </a:p>
+        </p:txBody>
+      </p:sp>
+      <p:pic>
+        <p:nvPicPr>
+          <p:cNvPr id="5" name="内容占位符 4">
+            <a:extLst>
+              <a:ext uri="{FF2B5EF4-FFF2-40B4-BE49-F238E27FC236}">
+                <a16:creationId xmlns:a16="http://schemas.microsoft.com/office/drawing/2014/main" id="{6347E56B-0222-463E-BC12-168B1DCCCA54}"/>
+              </a:ext>
+            </a:extLst>
+          </p:cNvPr>
+          <p:cNvPicPr>
+            <a:picLocks noGrp="1" noChangeAspect="1"/>
+          </p:cNvPicPr>
+          <p:nvPr>
+            <p:ph idx="1"/>
+          </p:nvPr>
+        </p:nvPicPr>
+        <p:blipFill>
+          <a:blip r:embed="rId2">
+            <a:extLst>
+              <a:ext uri="{28A0092B-C50C-407E-A947-70E740481C1C}">
+                <a14:useLocalDpi xmlns:a14="http://schemas.microsoft.com/office/drawing/2010/main" val="0"/>
+              </a:ext>
+            </a:extLst>
+          </a:blip>
+          <a:stretch>
+            <a:fillRect/>
+          </a:stretch>
+        </p:blipFill>
+        <p:spPr>
+          <a:xfrm>
+            <a:off x="838200" y="4241073"/>
+            <a:ext cx="10515600" cy="2159957"/>
+          </a:xfrm>
+        </p:spPr>
+      </p:pic>
+      <p:pic>
+        <p:nvPicPr>
+          <p:cNvPr id="4" name="图片 3">
+            <a:extLst>
+              <a:ext uri="{FF2B5EF4-FFF2-40B4-BE49-F238E27FC236}">
+                <a16:creationId xmlns:a16="http://schemas.microsoft.com/office/drawing/2014/main" id="{A2A7F907-B407-44C8-A32C-19E6F0694128}"/>
+              </a:ext>
+            </a:extLst>
+          </p:cNvPr>
+          <p:cNvPicPr>
+            <a:picLocks noChangeAspect="1"/>
+          </p:cNvPicPr>
+          <p:nvPr/>
+        </p:nvPicPr>
+        <p:blipFill>
+          <a:blip r:embed="rId3"/>
+          <a:stretch>
+            <a:fillRect/>
+          </a:stretch>
+        </p:blipFill>
+        <p:spPr>
+          <a:xfrm>
+            <a:off x="838200" y="1175657"/>
+            <a:ext cx="10515600" cy="3065416"/>
+          </a:xfrm>
+          <a:prstGeom prst="rect">
+            <a:avLst/>
+          </a:prstGeom>
+        </p:spPr>
+      </p:pic>
+    </p:spTree>
+    <p:extLst>
+      <p:ext uri="{BB962C8B-B14F-4D97-AF65-F5344CB8AC3E}">
+        <p14:creationId xmlns:p14="http://schemas.microsoft.com/office/powerpoint/2010/main" val="3296308030"/>
+      </p:ext>
+    </p:extLst>
+  </p:cSld>
+  <p:clrMapOvr>
+    <a:masterClrMapping/>
+  </p:clrMapOvr>
+</p:sld>
+</file>
+
+<file path=ppt/slides/slide4.xml><?xml version="1.0" encoding="utf-8"?>
+<p:sld xmlns:a="http://schemas.openxmlformats.org/drawingml/2006/main" xmlns:r="http://schemas.openxmlformats.org/officeDocument/2006/relationships" xmlns:p="http://schemas.openxmlformats.org/presentationml/2006/main">
+  <p:cSld>
+    <p:spTree>
+      <p:nvGrpSpPr>
+        <p:cNvPr id="1" name=""/>
+        <p:cNvGrpSpPr/>
+        <p:nvPr/>
+      </p:nvGrpSpPr>
+      <p:grpSpPr>
+        <a:xfrm>
+          <a:off x="0" y="0"/>
+          <a:ext cx="0" cy="0"/>
+          <a:chOff x="0" y="0"/>
+          <a:chExt cx="0" cy="0"/>
+        </a:xfrm>
+      </p:grpSpPr>
+      <p:sp>
+        <p:nvSpPr>
+          <p:cNvPr id="2" name="标题 1">
+            <a:extLst>
+              <a:ext uri="{FF2B5EF4-FFF2-40B4-BE49-F238E27FC236}">
+                <a16:creationId xmlns:a16="http://schemas.microsoft.com/office/drawing/2014/main" id="{21F3EF34-CD5C-459A-9AFE-E94EF6A1EA21}"/>
+              </a:ext>
+            </a:extLst>
+          </p:cNvPr>
+          <p:cNvSpPr>
+            <a:spLocks noGrp="1"/>
+          </p:cNvSpPr>
+          <p:nvPr>
+            <p:ph type="title"/>
+          </p:nvPr>
+        </p:nvSpPr>
+        <p:spPr/>
+        <p:txBody>
+          <a:bodyPr/>
+          <a:lstStyle/>
+          <a:p>
+            <a:r>
+              <a:rPr lang="zh-CN" altLang="en-US" dirty="0"/>
+              <a:t>增加钉钉报警</a:t>
+            </a:r>
+            <a:r>
+              <a:rPr lang="en-US" altLang="zh-CN" dirty="0"/>
+              <a:t>JSON</a:t>
+            </a:r>
+            <a:r>
+              <a:rPr lang="zh-CN" altLang="en-US" dirty="0"/>
+              <a:t>文件</a:t>
+            </a:r>
+          </a:p>
+        </p:txBody>
+      </p:sp>
+      <p:pic>
+        <p:nvPicPr>
+          <p:cNvPr id="4" name="内容占位符 3">
+            <a:extLst>
+              <a:ext uri="{FF2B5EF4-FFF2-40B4-BE49-F238E27FC236}">
+                <a16:creationId xmlns:a16="http://schemas.microsoft.com/office/drawing/2014/main" id="{62DCE705-52BE-4E45-8B92-EE4E6F58ACC5}"/>
+              </a:ext>
+            </a:extLst>
+          </p:cNvPr>
+          <p:cNvPicPr>
+            <a:picLocks noGrp="1" noChangeAspect="1"/>
+          </p:cNvPicPr>
+          <p:nvPr>
+            <p:ph idx="1"/>
+          </p:nvPr>
+        </p:nvPicPr>
+        <p:blipFill>
+          <a:blip r:embed="rId2"/>
+          <a:stretch>
+            <a:fillRect/>
+          </a:stretch>
+        </p:blipFill>
+        <p:spPr>
+          <a:xfrm>
+            <a:off x="838200" y="1871062"/>
+            <a:ext cx="10515600" cy="4260463"/>
+          </a:xfrm>
+          <a:prstGeom prst="rect">
+            <a:avLst/>
+          </a:prstGeom>
+        </p:spPr>
+      </p:pic>
+    </p:spTree>
+    <p:extLst>
+      <p:ext uri="{BB962C8B-B14F-4D97-AF65-F5344CB8AC3E}">
+        <p14:creationId xmlns:p14="http://schemas.microsoft.com/office/powerpoint/2010/main" val="2481921846"/>
+      </p:ext>
+    </p:extLst>
+  </p:cSld>
+  <p:clrMapOvr>
+    <a:masterClrMapping/>
+  </p:clrMapOvr>
+</p:sld>
+</file>
+
+<file path=ppt/slides/slide5.xml><?xml version="1.0" encoding="utf-8"?>
+<p:sld xmlns:a="http://schemas.openxmlformats.org/drawingml/2006/main" xmlns:r="http://schemas.openxmlformats.org/officeDocument/2006/relationships" xmlns:p="http://schemas.openxmlformats.org/presentationml/2006/main">
+  <p:cSld>
+    <p:spTree>
+      <p:nvGrpSpPr>
+        <p:cNvPr id="1" name=""/>
+        <p:cNvGrpSpPr/>
+        <p:nvPr/>
+      </p:nvGrpSpPr>
+      <p:grpSpPr>
+        <a:xfrm>
+          <a:off x="0" y="0"/>
+          <a:ext cx="0" cy="0"/>
+          <a:chOff x="0" y="0"/>
+          <a:chExt cx="0" cy="0"/>
+        </a:xfrm>
+      </p:grpSpPr>
+      <p:sp>
+        <p:nvSpPr>
+          <p:cNvPr id="2" name="标题 1">
+            <a:extLst>
+              <a:ext uri="{FF2B5EF4-FFF2-40B4-BE49-F238E27FC236}">
+                <a16:creationId xmlns:a16="http://schemas.microsoft.com/office/drawing/2014/main" id="{727125FD-8036-4618-AE2D-F0AE9BBFC95E}"/>
+              </a:ext>
+            </a:extLst>
+          </p:cNvPr>
+          <p:cNvSpPr>
+            <a:spLocks noGrp="1"/>
+          </p:cNvSpPr>
+          <p:nvPr>
+            <p:ph type="title"/>
+          </p:nvPr>
+        </p:nvSpPr>
+        <p:spPr/>
+        <p:txBody>
+          <a:bodyPr/>
+          <a:lstStyle/>
+          <a:p>
+            <a:r>
+              <a:rPr lang="zh-CN" altLang="en-US" dirty="0"/>
+              <a:t>增加钉钉报警</a:t>
+            </a:r>
+            <a:r>
+              <a:rPr lang="en-US" altLang="zh-CN" dirty="0"/>
+              <a:t>JSON</a:t>
+            </a:r>
+            <a:r>
+              <a:rPr lang="zh-CN" altLang="en-US" dirty="0"/>
+              <a:t>文件</a:t>
+            </a:r>
+          </a:p>
+        </p:txBody>
+      </p:sp>
+      <p:pic>
+        <p:nvPicPr>
+          <p:cNvPr id="4" name="内容占位符 3">
+            <a:extLst>
+              <a:ext uri="{FF2B5EF4-FFF2-40B4-BE49-F238E27FC236}">
+                <a16:creationId xmlns:a16="http://schemas.microsoft.com/office/drawing/2014/main" id="{651A17B7-3BFD-43F6-8B2B-771C3220083F}"/>
+              </a:ext>
+            </a:extLst>
+          </p:cNvPr>
+          <p:cNvPicPr>
+            <a:picLocks noGrp="1" noChangeAspect="1"/>
+          </p:cNvPicPr>
+          <p:nvPr>
+            <p:ph idx="1"/>
+          </p:nvPr>
+        </p:nvPicPr>
+        <p:blipFill>
+          <a:blip r:embed="rId2"/>
+          <a:stretch>
+            <a:fillRect/>
+          </a:stretch>
+        </p:blipFill>
+        <p:spPr>
+          <a:xfrm>
+            <a:off x="838199" y="1825625"/>
+            <a:ext cx="10515599" cy="4351338"/>
+          </a:xfrm>
+          <a:prstGeom prst="rect">
+            <a:avLst/>
+          </a:prstGeom>
+        </p:spPr>
+      </p:pic>
+    </p:spTree>
+    <p:extLst>
+      <p:ext uri="{BB962C8B-B14F-4D97-AF65-F5344CB8AC3E}">
+        <p14:creationId xmlns:p14="http://schemas.microsoft.com/office/powerpoint/2010/main" val="3108900413"/>
+      </p:ext>
+    </p:extLst>
+  </p:cSld>
+  <p:clrMapOvr>
+    <a:masterClrMapping/>
+  </p:clrMapOvr>
+</p:sld>
+</file>
+
+<file path=ppt/slides/slide6.xml><?xml version="1.0" encoding="utf-8"?>
+<p:sld xmlns:a="http://schemas.openxmlformats.org/drawingml/2006/main" xmlns:r="http://schemas.openxmlformats.org/officeDocument/2006/relationships" xmlns:p="http://schemas.openxmlformats.org/presentationml/2006/main">
+  <p:cSld>
+    <p:spTree>
+      <p:nvGrpSpPr>
+        <p:cNvPr id="1" name=""/>
+        <p:cNvGrpSpPr/>
+        <p:nvPr/>
+      </p:nvGrpSpPr>
+      <p:grpSpPr>
+        <a:xfrm>
+          <a:off x="0" y="0"/>
+          <a:ext cx="0" cy="0"/>
+          <a:chOff x="0" y="0"/>
+          <a:chExt cx="0" cy="0"/>
+        </a:xfrm>
+      </p:grpSpPr>
+      <p:sp>
+        <p:nvSpPr>
+          <p:cNvPr id="2" name="标题 1">
+            <a:extLst>
+              <a:ext uri="{FF2B5EF4-FFF2-40B4-BE49-F238E27FC236}">
+                <a16:creationId xmlns:a16="http://schemas.microsoft.com/office/drawing/2014/main" id="{0813F749-CD33-4144-AB60-98D015B0F7A2}"/>
+              </a:ext>
+            </a:extLst>
+          </p:cNvPr>
+          <p:cNvSpPr>
+            <a:spLocks noGrp="1"/>
+          </p:cNvSpPr>
+          <p:nvPr>
+            <p:ph type="title"/>
+          </p:nvPr>
+        </p:nvSpPr>
+        <p:spPr/>
+        <p:txBody>
+          <a:bodyPr/>
+          <a:lstStyle/>
+          <a:p>
+            <a:r>
+              <a:rPr lang="zh-CN" altLang="en-US" dirty="0"/>
+              <a:t>修改钉钉报警</a:t>
+            </a:r>
+            <a:r>
+              <a:rPr lang="en-US" altLang="zh-CN" dirty="0"/>
+              <a:t>API</a:t>
+            </a:r>
+            <a:r>
+              <a:rPr lang="zh-CN" altLang="en-US" dirty="0"/>
+              <a:t>接口文件</a:t>
+            </a:r>
+          </a:p>
+        </p:txBody>
+      </p:sp>
+      <p:pic>
+        <p:nvPicPr>
+          <p:cNvPr id="4" name="内容占位符 3">
+            <a:extLst>
+              <a:ext uri="{FF2B5EF4-FFF2-40B4-BE49-F238E27FC236}">
+                <a16:creationId xmlns:a16="http://schemas.microsoft.com/office/drawing/2014/main" id="{4B634FB1-7B65-420C-B84D-EBA8D690ED19}"/>
+              </a:ext>
+            </a:extLst>
+          </p:cNvPr>
+          <p:cNvPicPr>
+            <a:picLocks noGrp="1" noChangeAspect="1"/>
+          </p:cNvPicPr>
+          <p:nvPr>
+            <p:ph idx="1"/>
+          </p:nvPr>
+        </p:nvPicPr>
+        <p:blipFill>
+          <a:blip r:embed="rId2"/>
+          <a:stretch>
+            <a:fillRect/>
+          </a:stretch>
+        </p:blipFill>
+        <p:spPr>
+          <a:xfrm>
+            <a:off x="933813" y="1690688"/>
+            <a:ext cx="9314180" cy="4351338"/>
+          </a:xfrm>
+          <a:prstGeom prst="rect">
+            <a:avLst/>
+          </a:prstGeom>
+        </p:spPr>
+      </p:pic>
+    </p:spTree>
+    <p:extLst>
+      <p:ext uri="{BB962C8B-B14F-4D97-AF65-F5344CB8AC3E}">
+        <p14:creationId xmlns:p14="http://schemas.microsoft.com/office/powerpoint/2010/main" val="4091147296"/>
+      </p:ext>
+    </p:extLst>
+  </p:cSld>
+  <p:clrMapOvr>
+    <a:masterClrMapping/>
+  </p:clrMapOvr>
+</p:sld>
+</file>
+
+<file path=ppt/slides/slide7.xml><?xml version="1.0" encoding="utf-8"?>
+<p:sld xmlns:a="http://schemas.openxmlformats.org/drawingml/2006/main" xmlns:r="http://schemas.openxmlformats.org/officeDocument/2006/relationships" xmlns:p="http://schemas.openxmlformats.org/presentationml/2006/main">
+  <p:cSld>
+    <p:spTree>
+      <p:nvGrpSpPr>
+        <p:cNvPr id="1" name=""/>
+        <p:cNvGrpSpPr/>
+        <p:nvPr/>
+      </p:nvGrpSpPr>
+      <p:grpSpPr>
+        <a:xfrm>
+          <a:off x="0" y="0"/>
+          <a:ext cx="0" cy="0"/>
+          <a:chOff x="0" y="0"/>
+          <a:chExt cx="0" cy="0"/>
+        </a:xfrm>
+      </p:grpSpPr>
+      <p:sp>
+        <p:nvSpPr>
+          <p:cNvPr id="2" name="标题 1">
+            <a:extLst>
+              <a:ext uri="{FF2B5EF4-FFF2-40B4-BE49-F238E27FC236}">
+                <a16:creationId xmlns:a16="http://schemas.microsoft.com/office/drawing/2014/main" id="{EC5A6914-513A-4BAD-8BC0-BEC435481726}"/>
+              </a:ext>
+            </a:extLst>
+          </p:cNvPr>
+          <p:cNvSpPr>
+            <a:spLocks noGrp="1"/>
+          </p:cNvSpPr>
+          <p:nvPr>
+            <p:ph type="title"/>
+          </p:nvPr>
+        </p:nvSpPr>
+        <p:spPr/>
+        <p:txBody>
+          <a:bodyPr/>
+          <a:lstStyle/>
+          <a:p>
+            <a:r>
+              <a:rPr lang="zh-CN" altLang="en-US" dirty="0"/>
+              <a:t>修改</a:t>
+            </a:r>
+            <a:r>
+              <a:rPr lang="en-US" altLang="zh-CN" dirty="0"/>
+              <a:t>admin</a:t>
+            </a:r>
+            <a:r>
+              <a:rPr lang="zh-CN" altLang="en-US" dirty="0"/>
+              <a:t>中心邮件报警处填写长度</a:t>
+            </a:r>
+          </a:p>
+        </p:txBody>
+      </p:sp>
+      <p:pic>
+        <p:nvPicPr>
+          <p:cNvPr id="6" name="内容占位符 5">
+            <a:extLst>
+              <a:ext uri="{FF2B5EF4-FFF2-40B4-BE49-F238E27FC236}">
+                <a16:creationId xmlns:a16="http://schemas.microsoft.com/office/drawing/2014/main" id="{4CB4D893-BC49-4746-825F-BE49BFE1B23A}"/>
+              </a:ext>
+            </a:extLst>
+          </p:cNvPr>
+          <p:cNvPicPr>
+            <a:picLocks noGrp="1" noChangeAspect="1"/>
+          </p:cNvPicPr>
+          <p:nvPr>
+            <p:ph idx="1"/>
+          </p:nvPr>
+        </p:nvPicPr>
+        <p:blipFill>
+          <a:blip r:embed="rId3"/>
+          <a:stretch>
+            <a:fillRect/>
+          </a:stretch>
+        </p:blipFill>
+        <p:spPr>
+          <a:xfrm>
+            <a:off x="751115" y="1476428"/>
+            <a:ext cx="10515600" cy="4248544"/>
+          </a:xfrm>
+          <a:prstGeom prst="rect">
+            <a:avLst/>
+          </a:prstGeom>
+        </p:spPr>
+      </p:pic>
+    </p:spTree>
+    <p:extLst>
+      <p:ext uri="{BB962C8B-B14F-4D97-AF65-F5344CB8AC3E}">
+        <p14:creationId xmlns:p14="http://schemas.microsoft.com/office/powerpoint/2010/main" val="1616748817"/>
+      </p:ext>
+    </p:extLst>
+  </p:cSld>
+  <p:clrMapOvr>
+    <a:masterClrMapping/>
+  </p:clrMapOvr>
+</p:sld>
+</file>
+
+<file path=ppt/slides/slide8.xml><?xml version="1.0" encoding="utf-8"?>
+<p:sld xmlns:a="http://schemas.openxmlformats.org/drawingml/2006/main" xmlns:r="http://schemas.openxmlformats.org/officeDocument/2006/relationships" xmlns:p="http://schemas.openxmlformats.org/presentationml/2006/main">
+  <p:cSld>
+    <p:spTree>
+      <p:nvGrpSpPr>
+        <p:cNvPr id="1" name=""/>
+        <p:cNvGrpSpPr/>
+        <p:nvPr/>
+      </p:nvGrpSpPr>
+      <p:grpSpPr>
+        <a:xfrm>
+          <a:off x="0" y="0"/>
+          <a:ext cx="0" cy="0"/>
+          <a:chOff x="0" y="0"/>
+          <a:chExt cx="0" cy="0"/>
+        </a:xfrm>
+      </p:grpSpPr>
+      <p:sp>
+        <p:nvSpPr>
+          <p:cNvPr id="2" name="标题 1">
+            <a:extLst>
+              <a:ext uri="{FF2B5EF4-FFF2-40B4-BE49-F238E27FC236}">
+                <a16:creationId xmlns:a16="http://schemas.microsoft.com/office/drawing/2014/main" id="{77B4EE17-3D79-4C9B-A139-C75C77C0C4C3}"/>
+              </a:ext>
+            </a:extLst>
+          </p:cNvPr>
+          <p:cNvSpPr>
+            <a:spLocks noGrp="1"/>
+          </p:cNvSpPr>
+          <p:nvPr>
+            <p:ph type="title"/>
+          </p:nvPr>
+        </p:nvSpPr>
+        <p:spPr/>
+        <p:txBody>
+          <a:bodyPr/>
+          <a:lstStyle/>
+          <a:p>
+            <a:r>
+              <a:rPr lang="zh-CN" altLang="en-US" dirty="0"/>
+              <a:t>修改钉钉报警</a:t>
+            </a:r>
+            <a:r>
+              <a:rPr lang="en-US" altLang="zh-CN" dirty="0"/>
+              <a:t>,Alibaba JAVA </a:t>
+            </a:r>
+            <a:r>
+              <a:rPr lang="zh-CN" altLang="en-US" dirty="0"/>
+              <a:t>依赖库</a:t>
+            </a:r>
+          </a:p>
+        </p:txBody>
+      </p:sp>
+      <p:pic>
+        <p:nvPicPr>
+          <p:cNvPr id="4" name="内容占位符 3">
+            <a:extLst>
+              <a:ext uri="{FF2B5EF4-FFF2-40B4-BE49-F238E27FC236}">
+                <a16:creationId xmlns:a16="http://schemas.microsoft.com/office/drawing/2014/main" id="{6F9A89BD-64CC-4B3F-BC2B-046C26A58F4D}"/>
+              </a:ext>
+            </a:extLst>
+          </p:cNvPr>
+          <p:cNvPicPr>
+            <a:picLocks noGrp="1" noChangeAspect="1"/>
+          </p:cNvPicPr>
+          <p:nvPr>
+            <p:ph idx="1"/>
+          </p:nvPr>
+        </p:nvPicPr>
+        <p:blipFill>
+          <a:blip r:embed="rId2"/>
+          <a:stretch>
+            <a:fillRect/>
+          </a:stretch>
+        </p:blipFill>
+        <p:spPr>
+          <a:xfrm>
+            <a:off x="751044" y="1306286"/>
+            <a:ext cx="10689912" cy="5068389"/>
+          </a:xfrm>
+          <a:prstGeom prst="rect">
+            <a:avLst/>
+          </a:prstGeom>
+        </p:spPr>
+      </p:pic>
+    </p:spTree>
+    <p:extLst>
+      <p:ext uri="{BB962C8B-B14F-4D97-AF65-F5344CB8AC3E}">
+        <p14:creationId xmlns:p14="http://schemas.microsoft.com/office/powerpoint/2010/main" val="1412610649"/>
+      </p:ext>
+    </p:extLst>
+  </p:cSld>
+  <p:clrMapOvr>
+    <a:masterClrMapping/>
+  </p:clrMapOvr>
+</p:sld>
+</file>
+
+<file path=ppt/slides/slide9.xml><?xml version="1.0" encoding="utf-8"?>
+<p:sld xmlns:a="http://schemas.openxmlformats.org/drawingml/2006/main" xmlns:r="http://schemas.openxmlformats.org/officeDocument/2006/relationships" xmlns:p="http://schemas.openxmlformats.org/presentationml/2006/main">
+  <p:cSld>
+    <p:spTree>
+      <p:nvGrpSpPr>
+        <p:cNvPr id="1" name=""/>
+        <p:cNvGrpSpPr/>
+        <p:nvPr/>
+      </p:nvGrpSpPr>
+      <p:grpSpPr>
+        <a:xfrm>
+          <a:off x="0" y="0"/>
+          <a:ext cx="0" cy="0"/>
+          <a:chOff x="0" y="0"/>
+          <a:chExt cx="0" cy="0"/>
+        </a:xfrm>
+      </p:grpSpPr>
+      <p:sp>
+        <p:nvSpPr>
+          <p:cNvPr id="2" name="标题 1">
+            <a:extLst>
+              <a:ext uri="{FF2B5EF4-FFF2-40B4-BE49-F238E27FC236}">
+                <a16:creationId xmlns:a16="http://schemas.microsoft.com/office/drawing/2014/main" id="{3D446FF7-0FB6-4C2E-8F21-A66AFADD3629}"/>
+              </a:ext>
+            </a:extLst>
+          </p:cNvPr>
+          <p:cNvSpPr>
+            <a:spLocks noGrp="1"/>
+          </p:cNvSpPr>
+          <p:nvPr>
+            <p:ph type="title"/>
+          </p:nvPr>
+        </p:nvSpPr>
+        <p:spPr/>
+        <p:txBody>
+          <a:bodyPr/>
+          <a:lstStyle/>
+          <a:p>
+            <a:r>
+              <a:rPr lang="zh-CN" altLang="en-US" dirty="0"/>
+              <a:t>修改钉钉报警</a:t>
+            </a:r>
+            <a:r>
+              <a:rPr lang="en-US" altLang="zh-CN" dirty="0"/>
+              <a:t>,Alibaba JAVA </a:t>
+            </a:r>
+            <a:r>
+              <a:rPr lang="zh-CN" altLang="en-US" dirty="0"/>
+              <a:t>依赖库</a:t>
+            </a:r>
+          </a:p>
+        </p:txBody>
+      </p:sp>
+      <p:pic>
+        <p:nvPicPr>
+          <p:cNvPr id="4" name="内容占位符 3">
+            <a:extLst>
+              <a:ext uri="{FF2B5EF4-FFF2-40B4-BE49-F238E27FC236}">
+                <a16:creationId xmlns:a16="http://schemas.microsoft.com/office/drawing/2014/main" id="{EA329B44-140D-4C14-B8EF-6946BC7C257A}"/>
+              </a:ext>
+            </a:extLst>
+          </p:cNvPr>
+          <p:cNvPicPr>
+            <a:picLocks noGrp="1" noChangeAspect="1"/>
+          </p:cNvPicPr>
+          <p:nvPr>
+            <p:ph idx="1"/>
+          </p:nvPr>
+        </p:nvPicPr>
+        <p:blipFill>
+          <a:blip r:embed="rId2"/>
+          <a:stretch>
+            <a:fillRect/>
+          </a:stretch>
+        </p:blipFill>
+        <p:spPr>
+          <a:xfrm>
+            <a:off x="838200" y="1690688"/>
+            <a:ext cx="10515600" cy="2271226"/>
+          </a:xfrm>
+          <a:prstGeom prst="rect">
+            <a:avLst/>
+          </a:prstGeom>
+        </p:spPr>
+      </p:pic>
+      <p:pic>
+        <p:nvPicPr>
+          <p:cNvPr id="5" name="图片 4">
+            <a:extLst>
+              <a:ext uri="{FF2B5EF4-FFF2-40B4-BE49-F238E27FC236}">
+                <a16:creationId xmlns:a16="http://schemas.microsoft.com/office/drawing/2014/main" id="{7FF3885D-B514-458A-AB7B-7075E7A6A9A6}"/>
+              </a:ext>
+            </a:extLst>
+          </p:cNvPr>
+          <p:cNvPicPr>
+            <a:picLocks noChangeAspect="1"/>
+          </p:cNvPicPr>
+          <p:nvPr/>
+        </p:nvPicPr>
+        <p:blipFill>
+          <a:blip r:embed="rId3"/>
+          <a:stretch>
+            <a:fillRect/>
+          </a:stretch>
+        </p:blipFill>
+        <p:spPr>
+          <a:xfrm>
+            <a:off x="838200" y="4003280"/>
+            <a:ext cx="10515600" cy="2273609"/>
+          </a:xfrm>
+          <a:prstGeom prst="rect">
+            <a:avLst/>
+          </a:prstGeom>
+        </p:spPr>
+      </p:pic>
+    </p:spTree>
+    <p:extLst>
+      <p:ext uri="{BB962C8B-B14F-4D97-AF65-F5344CB8AC3E}">
+        <p14:creationId xmlns:p14="http://schemas.microsoft.com/office/powerpoint/2010/main" val="724363908"/>
       </p:ext>
     </p:extLst>
   </p:cSld>
